--- a/aulas/t/old/SCO-T1-A11-A12.pptx
+++ b/aulas/t/old/SCO-T1-A11-A12.pptx
@@ -15567,7 +15567,7 @@
         <p:spPr bwMode="auto">
           <a:xfrm>
             <a:off x="540000" y="900000"/>
-            <a:ext cx="8064448" cy="3568914"/>
+            <a:ext cx="8064448" cy="3938245"/>
           </a:xfrm>
           <a:prstGeom prst="rect">
             <a:avLst/>
@@ -15627,12 +15627,17 @@
             </a:pPr>
             <a:r>
               <a:rPr lang="pt-PT" sz="2800" b="0" i="0" dirty="0"/>
-              <a:t>Password Geral: </a:t>
-            </a:r>
-            <a:r>
-              <a:rPr lang="pt-PT" sz="2800" i="0" dirty="0"/>
-              <a:t>sc2021</a:t>
-            </a:r>
+              <a:t>Password Geral</a:t>
+            </a:r>
+            <a:r>
+              <a:rPr lang="pt-PT" sz="2800" b="0" i="0"/>
+              <a:t>: </a:t>
+            </a:r>
+            <a:r>
+              <a:rPr lang="pt-PT" sz="2800" i="0"/>
+              <a:t>sc2122</a:t>
+            </a:r>
+            <a:endParaRPr lang="pt-PT" sz="2800" i="0" dirty="0"/>
           </a:p>
           <a:p>
             <a:pPr marL="357188" lvl="1" indent="-177800" algn="l" defTabSz="704085">
@@ -15669,7 +15674,7 @@
             </a:pPr>
             <a:r>
               <a:rPr lang="pt-PT" sz="2000" i="0" dirty="0"/>
-              <a:t>2 conjuntos (base e standard) de 2 questões (em 5) + 1 questão (em 4 do conjunto Hard)</a:t>
+              <a:t>2 conjuntos (base e standard) de 2 questões (em 5+) + 1 questão (em 3+ do conjunto Hard)</a:t>
             </a:r>
             <a:r>
               <a:rPr lang="pt-PT" sz="2000" b="0" i="0" dirty="0"/>
@@ -15690,7 +15695,15 @@
             </a:r>
             <a:r>
               <a:rPr lang="pt-PT" sz="2000" i="0" dirty="0"/>
-              <a:t>16h até às 23h59 de sexta, 19 de novembro</a:t>
+              <a:t>18h de quinta 28 de abril </a:t>
+            </a:r>
+            <a:r>
+              <a:rPr lang="pt-PT" sz="2000" b="0" i="0" dirty="0"/>
+              <a:t>até às </a:t>
+            </a:r>
+            <a:r>
+              <a:rPr lang="pt-PT" sz="2000" i="0" dirty="0"/>
+              <a:t>23h59 de sexta, 29 de abril</a:t>
             </a:r>
             <a:r>
               <a:rPr lang="pt-PT" sz="2000" b="0" i="0" dirty="0"/>
